--- a/notes/09-Machine_Data.pptx
+++ b/notes/09-Machine_Data.pptx
@@ -145,7 +145,7 @@
   </p:defaultTextStyle>
   <p:extLst>
     <p:ext uri="{EFAFB233-063F-42B5-8137-9DF3F51BA10A}">
-      <p15:sldGuideLst xmlns="" xmlns:p15="http://schemas.microsoft.com/office/powerpoint/2012/main">
+      <p15:sldGuideLst xmlns:p15="http://schemas.microsoft.com/office/powerpoint/2012/main" xmlns="">
         <p15:guide id="1" orient="horz" pos="2160">
           <p15:clr>
             <a:srgbClr val="A4A3A4"/>
@@ -244,7 +244,7 @@
           <a:p>
             <a:fld id="{C9615FF3-9FA2-1C4A-AAEA-4750F890D655}" type="datetimeFigureOut">
               <a:rPr lang="en-US" smtClean="0"/>
-              <a:t>10/21/18</a:t>
+              <a:t>3/12/19</a:t>
             </a:fld>
             <a:endParaRPr lang="en-US"/>
           </a:p>
@@ -410,7 +410,7 @@
           <a:p>
             <a:fld id="{52180D89-5C43-EF4A-AA48-38E879565468}" type="datetimeFigureOut">
               <a:rPr lang="en-US" smtClean="0"/>
-              <a:t>10/21/18</a:t>
+              <a:t>3/12/19</a:t>
             </a:fld>
             <a:endParaRPr lang="en-US"/>
           </a:p>
@@ -2922,7 +2922,7 @@
           <a:p>
             <a:fld id="{212D147F-079F-4846-994D-0DB4A1A045D4}" type="datetime1">
               <a:rPr lang="zh-CN" altLang="en-US" smtClean="0"/>
-              <a:t>10/21/18</a:t>
+              <a:t>3/12/19</a:t>
             </a:fld>
             <a:endParaRPr lang="en-US"/>
           </a:p>
@@ -3088,7 +3088,7 @@
           <a:p>
             <a:fld id="{17491736-879B-FE48-95EC-EDE8A01D99DB}" type="datetime1">
               <a:rPr lang="zh-CN" altLang="en-US" smtClean="0"/>
-              <a:t>10/21/18</a:t>
+              <a:t>3/12/19</a:t>
             </a:fld>
             <a:endParaRPr lang="en-US"/>
           </a:p>
@@ -3264,7 +3264,7 @@
           <a:p>
             <a:fld id="{B977160F-44E5-DA43-A440-B77513F80BF6}" type="datetime1">
               <a:rPr lang="zh-CN" altLang="en-US" smtClean="0"/>
-              <a:t>10/21/18</a:t>
+              <a:t>3/12/19</a:t>
             </a:fld>
             <a:endParaRPr lang="en-US"/>
           </a:p>
@@ -3430,7 +3430,7 @@
           <a:p>
             <a:fld id="{AE880671-2720-6742-BF3B-130F38BFD6C2}" type="datetime1">
               <a:rPr lang="zh-CN" altLang="en-US" smtClean="0"/>
-              <a:t>10/21/18</a:t>
+              <a:t>3/12/19</a:t>
             </a:fld>
             <a:endParaRPr lang="en-US"/>
           </a:p>
@@ -3672,7 +3672,7 @@
           <a:p>
             <a:fld id="{0C2FF912-C460-F747-A5A7-E580342BDBD8}" type="datetime1">
               <a:rPr lang="zh-CN" altLang="en-US" smtClean="0"/>
-              <a:t>10/21/18</a:t>
+              <a:t>3/12/19</a:t>
             </a:fld>
             <a:endParaRPr lang="en-US"/>
           </a:p>
@@ -3956,7 +3956,7 @@
           <a:p>
             <a:fld id="{1EEB1225-B413-9941-B6FE-722B9F1A3838}" type="datetime1">
               <a:rPr lang="zh-CN" altLang="en-US" smtClean="0"/>
-              <a:t>10/21/18</a:t>
+              <a:t>3/12/19</a:t>
             </a:fld>
             <a:endParaRPr lang="en-US"/>
           </a:p>
@@ -4374,7 +4374,7 @@
           <a:p>
             <a:fld id="{3E24F182-DE75-D141-B72A-8599E29248A5}" type="datetime1">
               <a:rPr lang="zh-CN" altLang="en-US" smtClean="0"/>
-              <a:t>10/21/18</a:t>
+              <a:t>3/12/19</a:t>
             </a:fld>
             <a:endParaRPr lang="en-US"/>
           </a:p>
@@ -4488,7 +4488,7 @@
           <a:p>
             <a:fld id="{8E8C2D7A-8A1B-DA48-9B0B-0DEE102746F0}" type="datetime1">
               <a:rPr lang="zh-CN" altLang="en-US" smtClean="0"/>
-              <a:t>10/21/18</a:t>
+              <a:t>3/12/19</a:t>
             </a:fld>
             <a:endParaRPr lang="en-US"/>
           </a:p>
@@ -4579,7 +4579,7 @@
           <a:p>
             <a:fld id="{4153C787-59C9-0445-8F38-642A8469076F}" type="datetime1">
               <a:rPr lang="zh-CN" altLang="en-US" smtClean="0"/>
-              <a:t>10/21/18</a:t>
+              <a:t>3/12/19</a:t>
             </a:fld>
             <a:endParaRPr lang="en-US"/>
           </a:p>
@@ -4852,7 +4852,7 @@
           <a:p>
             <a:fld id="{44D50209-807A-E542-A52E-D898C2D2B27F}" type="datetime1">
               <a:rPr lang="zh-CN" altLang="en-US" smtClean="0"/>
-              <a:t>10/21/18</a:t>
+              <a:t>3/12/19</a:t>
             </a:fld>
             <a:endParaRPr lang="en-US"/>
           </a:p>
@@ -5105,7 +5105,7 @@
           <a:p>
             <a:fld id="{4EC27158-6770-8C48-8082-76913598A291}" type="datetime1">
               <a:rPr lang="zh-CN" altLang="en-US" smtClean="0"/>
-              <a:t>10/21/18</a:t>
+              <a:t>3/12/19</a:t>
             </a:fld>
             <a:endParaRPr lang="en-US"/>
           </a:p>
@@ -5314,7 +5314,7 @@
           <a:p>
             <a:fld id="{6619FEBD-E571-1443-AA22-BB9E67C15179}" type="datetime1">
               <a:rPr lang="zh-CN" altLang="en-US" smtClean="0"/>
-              <a:t>10/21/18</a:t>
+              <a:t>3/12/19</a:t>
             </a:fld>
             <a:endParaRPr lang="en-US"/>
           </a:p>
@@ -20124,7 +20124,14 @@
                 <a:latin typeface="Consolas"/>
                 <a:cs typeface="Consolas"/>
               </a:rPr>
-              <a:t>      d = a;</a:t>
+              <a:t>      </a:t>
+            </a:r>
+            <a:r>
+              <a:rPr lang="en-US" dirty="0" smtClean="0">
+                <a:latin typeface="Consolas"/>
+                <a:cs typeface="Consolas"/>
+              </a:rPr>
+              <a:t>d = a;</a:t>
             </a:r>
             <a:endParaRPr lang="en-US" dirty="0">
               <a:latin typeface="Consolas"/>
@@ -25251,14 +25258,18 @@
             <a:pPr lvl="1"/>
             <a:r>
               <a:rPr lang="en-US" dirty="0" smtClean="0"/>
-              <a:t>stored in memory.</a:t>
+              <a:t>Most are stored </a:t>
+            </a:r>
+            <a:r>
+              <a:rPr lang="en-US" dirty="0" smtClean="0"/>
+              <a:t>in memory.</a:t>
             </a:r>
           </a:p>
           <a:p>
             <a:pPr lvl="2"/>
             <a:r>
               <a:rPr lang="en-US" dirty="0" smtClean="0"/>
-              <a:t>sometimes local </a:t>
+              <a:t>some local </a:t>
             </a:r>
             <a:r>
               <a:rPr lang="en-US" dirty="0" err="1" smtClean="0"/>
@@ -32049,7 +32060,15 @@
           <a:p>
             <a:r>
               <a:rPr lang="en-US" dirty="0" smtClean="0"/>
-              <a:t>Recall: a running program’s memory is (conceptually) separately into 3 regions</a:t>
+              <a:t>Recall: a running program’s memory is (conceptually) </a:t>
+            </a:r>
+            <a:r>
+              <a:rPr lang="en-US" dirty="0" smtClean="0"/>
+              <a:t>separated </a:t>
+            </a:r>
+            <a:r>
+              <a:rPr lang="en-US" dirty="0" smtClean="0"/>
+              <a:t>into 3 regions</a:t>
             </a:r>
           </a:p>
         </p:txBody>
@@ -32531,8 +32550,13 @@
           <a:p>
             <a:r>
               <a:rPr lang="en-US" dirty="0" smtClean="0"/>
-              <a:t>(statically-allocated) data</a:t>
-            </a:r>
+              <a:t>(statically-allocated) </a:t>
+            </a:r>
+            <a:r>
+              <a:rPr lang="en-US" dirty="0" smtClean="0"/>
+              <a:t>data</a:t>
+            </a:r>
+            <a:endParaRPr lang="en-US" dirty="0" smtClean="0"/>
           </a:p>
         </p:txBody>
       </p:sp>
